--- a/docs/PP4.pptx
+++ b/docs/PP4.pptx
@@ -271,6 +271,11 @@
         </p:txBody>
       </p:sp>
     </p:spTree>
+    <p:extLst>
+      <p:ext uri="{BB962C8B-B14F-4D97-AF65-F5344CB8AC3E}">
+        <p14:creationId xmlns:p14="http://schemas.microsoft.com/office/powerpoint/2010/main" val="4276670500"/>
+      </p:ext>
+    </p:extLst>
   </p:cSld>
   <p:clrMap bg1="lt1" tx1="dk1" bg2="lt2" tx2="dk2" accent1="accent1" accent2="accent2" accent3="accent3" accent4="accent4" accent5="accent5" accent6="accent6" hlink="hlink" folHlink="folHlink"/>
 </p:handoutMaster>
@@ -513,6 +518,11 @@
         </p:txBody>
       </p:sp>
     </p:spTree>
+    <p:extLst>
+      <p:ext uri="{BB962C8B-B14F-4D97-AF65-F5344CB8AC3E}">
+        <p14:creationId xmlns:p14="http://schemas.microsoft.com/office/powerpoint/2010/main" val="1421322668"/>
+      </p:ext>
+    </p:extLst>
   </p:cSld>
   <p:clrMap bg1="lt1" tx1="dk1" bg2="lt2" tx2="dk2" accent1="accent1" accent2="accent2" accent3="accent3" accent4="accent4" accent5="accent5" accent6="accent6" hlink="hlink" folHlink="folHlink"/>
   <p:notesStyle>
@@ -2914,7 +2924,12 @@
             <p:ph type="ctrTitle"/>
           </p:nvPr>
         </p:nvSpPr>
-        <p:spPr/>
+        <p:spPr>
+          <a:xfrm>
+            <a:off x="1403648" y="4797152"/>
+            <a:ext cx="7507560" cy="1222375"/>
+          </a:xfrm>
+        </p:spPr>
         <p:txBody>
           <a:bodyPr/>
           <a:lstStyle/>
@@ -2937,7 +2952,12 @@
             <p:ph type="subTitle" idx="1"/>
           </p:nvPr>
         </p:nvSpPr>
-        <p:spPr/>
+        <p:spPr>
+          <a:xfrm>
+            <a:off x="1403648" y="3886200"/>
+            <a:ext cx="7435552" cy="914400"/>
+          </a:xfrm>
+        </p:spPr>
         <p:txBody>
           <a:bodyPr>
             <a:normAutofit/>
@@ -2952,6 +2972,36 @@
           </a:p>
         </p:txBody>
       </p:sp>
+      <p:pic>
+        <p:nvPicPr>
+          <p:cNvPr id="4" name="Obraz 3"/>
+          <p:cNvPicPr>
+            <a:picLocks noChangeAspect="1"/>
+          </p:cNvPicPr>
+          <p:nvPr/>
+        </p:nvPicPr>
+        <p:blipFill>
+          <a:blip r:embed="rId3">
+            <a:extLst>
+              <a:ext uri="{28A0092B-C50C-407E-A947-70E740481C1C}">
+                <a14:useLocalDpi xmlns:a14="http://schemas.microsoft.com/office/drawing/2010/main" val="0"/>
+              </a:ext>
+            </a:extLst>
+          </a:blip>
+          <a:stretch>
+            <a:fillRect/>
+          </a:stretch>
+        </p:blipFill>
+        <p:spPr>
+          <a:xfrm>
+            <a:off x="323528" y="4365104"/>
+            <a:ext cx="1147192" cy="1147192"/>
+          </a:xfrm>
+          <a:prstGeom prst="rect">
+            <a:avLst/>
+          </a:prstGeom>
+        </p:spPr>
+      </p:pic>
     </p:spTree>
   </p:cSld>
   <p:clrMapOvr>
@@ -3032,11 +3082,7 @@
             </a:pPr>
             <a:r>
               <a:rPr lang="pl-PL" dirty="0" smtClean="0"/>
-              <a:t>Został zaprojektowany w celu</a:t>
-            </a:r>
-            <a:r>
-              <a:rPr lang="pl-PL" dirty="0" smtClean="0"/>
-              <a:t>:</a:t>
+              <a:t>Został zaprojektowany w celu:</a:t>
             </a:r>
           </a:p>
           <a:p>
@@ -3068,7 +3114,6 @@
               <a:rPr lang="pl-PL" dirty="0" smtClean="0"/>
               <a:t>Kierownik posiada również funkcjonalność konta recepcjonistki</a:t>
             </a:r>
-            <a:endParaRPr lang="pl-PL" dirty="0" smtClean="0"/>
           </a:p>
         </p:txBody>
       </p:sp>
@@ -3935,7 +3980,6 @@
               <a:rPr lang="pl-PL" dirty="0" smtClean="0"/>
               <a:t>Generowania rachunków i faktur w formacie PDF</a:t>
             </a:r>
-            <a:endParaRPr lang="pl-PL" dirty="0" smtClean="0"/>
           </a:p>
           <a:p>
             <a:r>
@@ -3950,7 +3994,6 @@
               <a:rPr lang="pl-PL" dirty="0" smtClean="0"/>
               <a:t> do klientów</a:t>
             </a:r>
-            <a:endParaRPr lang="pl-PL" dirty="0" smtClean="0"/>
           </a:p>
           <a:p>
             <a:r>
@@ -4034,7 +4077,6 @@
               <a:rPr lang="pl-PL" dirty="0" smtClean="0"/>
               <a:t>Platforma</a:t>
             </a:r>
-            <a:endParaRPr lang="pl-PL" dirty="0" smtClean="0"/>
           </a:p>
           <a:p>
             <a:pPr lvl="1"/>
@@ -4042,14 +4084,12 @@
               <a:rPr lang="pl-PL" dirty="0" smtClean="0"/>
               <a:t>.NET</a:t>
             </a:r>
-            <a:endParaRPr lang="pl-PL" dirty="0" smtClean="0"/>
           </a:p>
           <a:p>
             <a:r>
               <a:rPr lang="pl-PL" dirty="0" smtClean="0"/>
               <a:t>Interfejs</a:t>
             </a:r>
-            <a:endParaRPr lang="pl-PL" dirty="0" smtClean="0"/>
           </a:p>
           <a:p>
             <a:pPr lvl="1"/>
@@ -4057,14 +4097,12 @@
               <a:rPr lang="pl-PL" dirty="0" smtClean="0"/>
               <a:t>WPF</a:t>
             </a:r>
-            <a:endParaRPr lang="pl-PL" dirty="0" smtClean="0"/>
           </a:p>
           <a:p>
             <a:r>
               <a:rPr lang="pl-PL" dirty="0" smtClean="0"/>
               <a:t>Baza danych</a:t>
             </a:r>
-            <a:endParaRPr lang="pl-PL" dirty="0" smtClean="0"/>
           </a:p>
           <a:p>
             <a:pPr lvl="1"/>
@@ -4072,7 +4110,6 @@
               <a:rPr lang="pl-PL" dirty="0" smtClean="0"/>
               <a:t>MS SQL Server 2008 R2</a:t>
             </a:r>
-            <a:endParaRPr lang="pl-PL" dirty="0" smtClean="0"/>
           </a:p>
         </p:txBody>
       </p:sp>
@@ -5461,7 +5498,7 @@
 </file>
 
 <file path=customXml/item1.xml><?xml version="1.0" encoding="utf-8"?>
-<ct:contentTypeSchema xmlns:ct="http://schemas.microsoft.com/office/2006/metadata/contentType" xmlns:ma="http://schemas.microsoft.com/office/2006/metadata/properties/metaAttributes" ct:_="" ma:_="" ma:contentTypeName="TemplateFile" ma:contentTypeID="0x010100CFA5F52AA0A00C4CBEF2A37681B2318F04009FDCD24A096B5E4C8184D4910FEB1A76" ma:contentTypeVersion="29" ma:contentTypeDescription="Create a new document." ma:contentTypeScope="" ma:versionID="0c32a1e609da7aca8c8cb70e77704eef"/>
+<p:properties xmlns:p="http://schemas.microsoft.com/office/2006/metadata/properties" xmlns:xsi="http://www.w3.org/2001/XMLSchema-instance" xmlns:pc="http://schemas.microsoft.com/office/infopath/2007/PartnerControls"/>
 </file>
 
 <file path=customXml/item2.xml><?xml version="1.0" encoding="utf-8"?>
@@ -5474,14 +5511,14 @@
 </file>
 
 <file path=customXml/item3.xml><?xml version="1.0" encoding="utf-8"?>
-<p:properties xmlns:p="http://schemas.microsoft.com/office/2006/metadata/properties" xmlns:xsi="http://www.w3.org/2001/XMLSchema-instance" xmlns:pc="http://schemas.microsoft.com/office/infopath/2007/PartnerControls"/>
+<ct:contentTypeSchema xmlns:ct="http://schemas.microsoft.com/office/2006/metadata/contentType" xmlns:ma="http://schemas.microsoft.com/office/2006/metadata/properties/metaAttributes" ct:_="" ma:_="" ma:contentTypeName="TemplateFile" ma:contentTypeID="0x010100CFA5F52AA0A00C4CBEF2A37681B2318F04009FDCD24A096B5E4C8184D4910FEB1A76" ma:contentTypeVersion="29" ma:contentTypeDescription="Create a new document." ma:contentTypeScope="" ma:versionID="0c32a1e609da7aca8c8cb70e77704eef"/>
 </file>
 
 <file path=customXml/itemProps1.xml><?xml version="1.0" encoding="utf-8"?>
-<ds:datastoreItem xmlns:ds="http://schemas.openxmlformats.org/officeDocument/2006/customXml" ds:itemID="{5128E5C6-253A-4341-BEE7-BE070F7B51FF}">
+<ds:datastoreItem xmlns:ds="http://schemas.openxmlformats.org/officeDocument/2006/customXml" ds:itemID="{1BC61C9C-1353-410C-9510-3EAD2B34FCBA}">
   <ds:schemaRefs>
-    <ds:schemaRef ds:uri="http://schemas.microsoft.com/office/2006/metadata/contentType"/>
-    <ds:schemaRef ds:uri="http://schemas.microsoft.com/office/2006/metadata/properties/metaAttributes"/>
+    <ds:schemaRef ds:uri="http://schemas.microsoft.com/office/2006/metadata/properties"/>
+    <ds:schemaRef ds:uri="http://schemas.microsoft.com/office/infopath/2007/PartnerControls"/>
   </ds:schemaRefs>
 </ds:datastoreItem>
 </file>
@@ -5495,10 +5532,10 @@
 </file>
 
 <file path=customXml/itemProps3.xml><?xml version="1.0" encoding="utf-8"?>
-<ds:datastoreItem xmlns:ds="http://schemas.openxmlformats.org/officeDocument/2006/customXml" ds:itemID="{1BC61C9C-1353-410C-9510-3EAD2B34FCBA}">
+<ds:datastoreItem xmlns:ds="http://schemas.openxmlformats.org/officeDocument/2006/customXml" ds:itemID="{5128E5C6-253A-4341-BEE7-BE070F7B51FF}">
   <ds:schemaRefs>
-    <ds:schemaRef ds:uri="http://schemas.microsoft.com/office/2006/metadata/properties"/>
-    <ds:schemaRef ds:uri="http://schemas.microsoft.com/office/infopath/2007/PartnerControls"/>
+    <ds:schemaRef ds:uri="http://schemas.microsoft.com/office/2006/metadata/contentType"/>
+    <ds:schemaRef ds:uri="http://schemas.microsoft.com/office/2006/metadata/properties/metaAttributes"/>
   </ds:schemaRefs>
 </ds:datastoreItem>
 </file>
--- a/docs/PP4.pptx
+++ b/docs/PP4.pptx
@@ -5,10 +5,10 @@
     <p:sldMasterId id="2147483664" r:id="rId4"/>
   </p:sldMasterIdLst>
   <p:notesMasterIdLst>
-    <p:notesMasterId r:id="rId23"/>
+    <p:notesMasterId r:id="rId24"/>
   </p:notesMasterIdLst>
   <p:handoutMasterIdLst>
-    <p:handoutMasterId r:id="rId24"/>
+    <p:handoutMasterId r:id="rId25"/>
   </p:handoutMasterIdLst>
   <p:sldIdLst>
     <p:sldId id="256" r:id="rId5"/>
@@ -23,12 +23,13 @@
     <p:sldId id="270" r:id="rId14"/>
     <p:sldId id="281" r:id="rId15"/>
     <p:sldId id="282" r:id="rId16"/>
-    <p:sldId id="283" r:id="rId17"/>
-    <p:sldId id="274" r:id="rId18"/>
+    <p:sldId id="274" r:id="rId17"/>
+    <p:sldId id="284" r:id="rId18"/>
     <p:sldId id="273" r:id="rId19"/>
     <p:sldId id="275" r:id="rId20"/>
-    <p:sldId id="276" r:id="rId21"/>
-    <p:sldId id="277" r:id="rId22"/>
+    <p:sldId id="285" r:id="rId21"/>
+    <p:sldId id="276" r:id="rId22"/>
+    <p:sldId id="277" r:id="rId23"/>
   </p:sldIdLst>
   <p:sldSz cx="9144000" cy="6858000" type="screen4x3"/>
   <p:notesSz cx="6858000" cy="9144000"/>
@@ -205,7 +206,7 @@
             <a:fld id="{03170175-C3ED-4C72-B085-79CCCD670CC9}" type="datetimeFigureOut">
               <a:rPr lang="en-US" smtClean="0"/>
               <a:pPr/>
-              <a:t>5/18/2011</a:t>
+              <a:t>5/24/2011</a:t>
             </a:fld>
             <a:endParaRPr lang="en-US"/>
           </a:p>
@@ -273,7 +274,7 @@
     </p:spTree>
     <p:extLst>
       <p:ext uri="{BB962C8B-B14F-4D97-AF65-F5344CB8AC3E}">
-        <p14:creationId xmlns:p14="http://schemas.microsoft.com/office/powerpoint/2010/main" val="4276670500"/>
+        <p14:creationId xmlns:p14="http://schemas.microsoft.com/office/powerpoint/2010/main" xmlns="" val="4276670500"/>
       </p:ext>
     </p:extLst>
   </p:cSld>
@@ -356,7 +357,7 @@
             <a:fld id="{2D9FB51A-E05F-4494-ADA5-A77EAE266FCF}" type="datetimeFigureOut">
               <a:rPr lang="en-US" smtClean="0"/>
               <a:pPr/>
-              <a:t>5/18/2011</a:t>
+              <a:t>5/24/2011</a:t>
             </a:fld>
             <a:endParaRPr lang="en-US"/>
           </a:p>
@@ -520,7 +521,7 @@
     </p:spTree>
     <p:extLst>
       <p:ext uri="{BB962C8B-B14F-4D97-AF65-F5344CB8AC3E}">
-        <p14:creationId xmlns:p14="http://schemas.microsoft.com/office/powerpoint/2010/main" val="1421322668"/>
+        <p14:creationId xmlns:p14="http://schemas.microsoft.com/office/powerpoint/2010/main" xmlns="" val="1421322668"/>
       </p:ext>
     </p:extLst>
   </p:cSld>
@@ -693,7 +694,7 @@
             <a:fld id="{2D9FB51A-E05F-4494-ADA5-A77EAE266FCF}" type="datetimeFigureOut">
               <a:rPr lang="en-US" smtClean="0"/>
               <a:pPr/>
-              <a:t>5/18/2011</a:t>
+              <a:t>5/24/2011</a:t>
             </a:fld>
             <a:endParaRPr lang="en-US"/>
           </a:p>
@@ -842,7 +843,7 @@
             <a:fld id="{2D9FB51A-E05F-4494-ADA5-A77EAE266FCF}" type="datetimeFigureOut">
               <a:rPr lang="en-US" smtClean="0"/>
               <a:pPr/>
-              <a:t>5/18/2011</a:t>
+              <a:t>5/24/2011</a:t>
             </a:fld>
             <a:endParaRPr lang="en-US"/>
           </a:p>
@@ -1094,7 +1095,7 @@
             <a:fld id="{2B10AB5E-65B2-470F-A90D-8944CCF2250D}" type="datetime2">
               <a:rPr lang="en-US" smtClean="0"/>
               <a:pPr/>
-              <a:t>Wednesday, May 18, 2011</a:t>
+              <a:t>Tuesday, May 24, 2011</a:t>
             </a:fld>
             <a:endParaRPr lang="en-US"/>
           </a:p>
@@ -1266,7 +1267,7 @@
             <a:fld id="{B5F4066D-E18E-46CA-ADDB-DC7D9F287FCD}" type="datetime2">
               <a:rPr lang="en-US" smtClean="0"/>
               <a:pPr/>
-              <a:t>Wednesday, May 18, 2011</a:t>
+              <a:t>Tuesday, May 24, 2011</a:t>
             </a:fld>
             <a:endParaRPr lang="en-US"/>
           </a:p>
@@ -1396,7 +1397,7 @@
             <a:fld id="{8E2E5AB2-AD30-4274-ADEE-77A916493B5C}" type="datetime2">
               <a:rPr lang="en-US" smtClean="0"/>
               <a:pPr/>
-              <a:t>Wednesday, May 18, 2011</a:t>
+              <a:t>Tuesday, May 24, 2011</a:t>
             </a:fld>
             <a:endParaRPr lang="en-US"/>
           </a:p>
@@ -1488,7 +1489,7 @@
             <a:fld id="{79C76396-5064-41C5-A285-015EE0047001}" type="datetime2">
               <a:rPr lang="en-US" smtClean="0"/>
               <a:pPr/>
-              <a:t>Wednesday, May 18, 2011</a:t>
+              <a:t>Tuesday, May 24, 2011</a:t>
             </a:fld>
             <a:endParaRPr lang="en-US"/>
           </a:p>
@@ -1721,7 +1722,7 @@
             <a:fld id="{F83034B0-3E89-40BA-B086-97296A422E36}" type="datetimeFigureOut">
               <a:rPr lang="en-US" smtClean="0"/>
               <a:pPr/>
-              <a:t>5/18/2011</a:t>
+              <a:t>5/24/2011</a:t>
             </a:fld>
             <a:endParaRPr lang="en-US"/>
           </a:p>
@@ -1892,7 +1893,7 @@
             <a:fld id="{F83034B0-3E89-40BA-B086-97296A422E36}" type="datetimeFigureOut">
               <a:rPr lang="en-US" smtClean="0"/>
               <a:pPr/>
-              <a:t>5/18/2011</a:t>
+              <a:t>5/24/2011</a:t>
             </a:fld>
             <a:endParaRPr lang="en-US"/>
           </a:p>
@@ -2125,7 +2126,7 @@
             <a:fld id="{F83034B0-3E89-40BA-B086-97296A422E36}" type="datetimeFigureOut">
               <a:rPr lang="en-US" smtClean="0"/>
               <a:pPr/>
-              <a:t>5/18/2011</a:t>
+              <a:t>5/24/2011</a:t>
             </a:fld>
             <a:endParaRPr lang="en-US"/>
           </a:p>
@@ -2353,7 +2354,7 @@
             <a:fld id="{4C8A7A92-D244-4C94-97DC-00C50A8E32A7}" type="datetime2">
               <a:rPr lang="en-US" smtClean="0"/>
               <a:pPr algn="l"/>
-              <a:t>Wednesday, May 18, 2011</a:t>
+              <a:t>Tuesday, May 24, 2011</a:t>
             </a:fld>
             <a:endParaRPr lang="en-US" dirty="0">
               <a:solidFill>
@@ -2981,10 +2982,10 @@
           <p:nvPr/>
         </p:nvPicPr>
         <p:blipFill>
-          <a:blip r:embed="rId3">
+          <a:blip r:embed="rId3" cstate="print">
             <a:extLst>
               <a:ext uri="{28A0092B-C50C-407E-A947-70E740481C1C}">
-                <a14:useLocalDpi xmlns:a14="http://schemas.microsoft.com/office/drawing/2010/main" val="0"/>
+                <a14:useLocalDpi xmlns:a14="http://schemas.microsoft.com/office/drawing/2010/main" xmlns="" val="0"/>
               </a:ext>
             </a:extLst>
           </a:blip>
@@ -2994,7 +2995,7 @@
         </p:blipFill>
         <p:spPr>
           <a:xfrm>
-            <a:off x="323528" y="4365104"/>
+            <a:off x="6948264" y="4293096"/>
             <a:ext cx="1147192" cy="1147192"/>
           </a:xfrm>
           <a:prstGeom prst="rect">
@@ -3288,36 +3289,49 @@
         </p:nvSpPr>
         <p:spPr/>
         <p:txBody>
-          <a:bodyPr/>
-          <a:lstStyle/>
-          <a:p>
-            <a:endParaRPr lang="pl-PL"/>
-          </a:p>
-        </p:txBody>
-      </p:sp>
-      <p:pic>
-        <p:nvPicPr>
-          <p:cNvPr id="4" name="Symbol zastępczy zawartości 3" descr="kierownik3.JPG"/>
-          <p:cNvPicPr>
-            <a:picLocks noGrp="1" noChangeAspect="1"/>
-          </p:cNvPicPr>
+          <a:bodyPr>
+            <a:normAutofit fontScale="90000"/>
+          </a:bodyPr>
+          <a:lstStyle/>
+          <a:p>
+            <a:r>
+              <a:rPr lang="pl-PL" dirty="0" smtClean="0"/>
+              <a:t>Moduł pracownika</a:t>
+            </a:r>
+            <a:br>
+              <a:rPr lang="pl-PL" dirty="0" smtClean="0"/>
+            </a:br>
+            <a:endParaRPr lang="pl-PL" dirty="0"/>
+          </a:p>
+        </p:txBody>
+      </p:sp>
+      <p:sp>
+        <p:nvSpPr>
+          <p:cNvPr id="3" name="Symbol zastępczy zawartości 2"/>
+          <p:cNvSpPr>
+            <a:spLocks noGrp="1"/>
+          </p:cNvSpPr>
           <p:nvPr>
             <p:ph idx="1"/>
           </p:nvPr>
-        </p:nvPicPr>
-        <p:blipFill>
-          <a:blip r:embed="rId2" cstate="print"/>
-          <a:stretch>
-            <a:fillRect/>
-          </a:stretch>
-        </p:blipFill>
-        <p:spPr>
-          <a:xfrm>
-            <a:off x="107504" y="476672"/>
-            <a:ext cx="8892480" cy="6224736"/>
-          </a:xfrm>
-        </p:spPr>
-      </p:pic>
+        </p:nvSpPr>
+        <p:spPr/>
+        <p:txBody>
+          <a:bodyPr/>
+          <a:lstStyle/>
+          <a:p>
+            <a:r>
+              <a:rPr lang="pl-PL" dirty="0" smtClean="0"/>
+              <a:t>System daje pracownikowi możliwość sprawdzenia przydzielonych mu </a:t>
+            </a:r>
+            <a:r>
+              <a:rPr lang="pl-PL" dirty="0" smtClean="0"/>
+              <a:t>zadań</a:t>
+            </a:r>
+            <a:endParaRPr lang="pl-PL" dirty="0" smtClean="0"/>
+          </a:p>
+        </p:txBody>
+      </p:sp>
     </p:spTree>
   </p:cSld>
   <p:clrMapOvr>
@@ -3355,51 +3369,47 @@
         </p:nvSpPr>
         <p:spPr/>
         <p:txBody>
-          <a:bodyPr>
-            <a:normAutofit fontScale="90000"/>
-          </a:bodyPr>
-          <a:lstStyle/>
-          <a:p>
-            <a:r>
-              <a:rPr lang="pl-PL" dirty="0" smtClean="0"/>
-              <a:t>Moduł pracownika</a:t>
-            </a:r>
-            <a:br>
-              <a:rPr lang="pl-PL" dirty="0" smtClean="0"/>
-            </a:br>
-            <a:endParaRPr lang="pl-PL" dirty="0"/>
-          </a:p>
-        </p:txBody>
-      </p:sp>
-      <p:sp>
-        <p:nvSpPr>
-          <p:cNvPr id="3" name="Symbol zastępczy zawartości 2"/>
-          <p:cNvSpPr>
-            <a:spLocks noGrp="1"/>
-          </p:cNvSpPr>
+          <a:bodyPr/>
+          <a:lstStyle/>
+          <a:p>
+            <a:endParaRPr lang="pl-PL"/>
+          </a:p>
+        </p:txBody>
+      </p:sp>
+      <p:pic>
+        <p:nvPicPr>
+          <p:cNvPr id="2050" name="Picture 2"/>
+          <p:cNvPicPr>
+            <a:picLocks noGrp="1" noChangeAspect="1" noChangeArrowheads="1"/>
+          </p:cNvPicPr>
           <p:nvPr>
             <p:ph idx="1"/>
           </p:nvPr>
-        </p:nvSpPr>
-        <p:spPr/>
-        <p:txBody>
-          <a:bodyPr/>
-          <a:lstStyle/>
-          <a:p>
-            <a:r>
-              <a:rPr lang="pl-PL" dirty="0" smtClean="0"/>
-              <a:t>System daje pracownikowi możliwość sprawdzenia przydzielonych mu zadań</a:t>
-            </a:r>
-          </a:p>
-          <a:p>
-            <a:r>
-              <a:rPr lang="pl-PL" dirty="0" smtClean="0"/>
-              <a:t>(SCREEN)</a:t>
-            </a:r>
-            <a:endParaRPr lang="pl-PL" dirty="0"/>
-          </a:p>
-        </p:txBody>
-      </p:sp>
+        </p:nvPicPr>
+        <p:blipFill>
+          <a:blip r:embed="rId2" cstate="print"/>
+          <a:srcRect/>
+          <a:stretch>
+            <a:fillRect/>
+          </a:stretch>
+        </p:blipFill>
+        <p:spPr bwMode="auto">
+          <a:xfrm>
+            <a:off x="755576" y="764704"/>
+            <a:ext cx="7851491" cy="5459437"/>
+          </a:xfrm>
+          <a:prstGeom prst="rect">
+            <a:avLst/>
+          </a:prstGeom>
+          <a:noFill/>
+          <a:ln w="9525">
+            <a:noFill/>
+            <a:miter lim="800000"/>
+            <a:headEnd/>
+            <a:tailEnd/>
+          </a:ln>
+        </p:spPr>
+      </p:pic>
     </p:spTree>
   </p:cSld>
   <p:clrMapOvr>
@@ -3474,10 +3484,6 @@
             </a:r>
           </a:p>
           <a:p>
-            <a:r>
-              <a:rPr lang="pl-PL" dirty="0" smtClean="0"/>
-              <a:t>(SCREEN)</a:t>
-            </a:r>
             <a:endParaRPr lang="pl-PL" dirty="0"/>
           </a:p>
         </p:txBody>
@@ -3552,23 +3558,63 @@
           <a:p>
             <a:r>
               <a:rPr lang="pl-PL" dirty="0" smtClean="0"/>
-              <a:t>System daje klientom możliwość przeglądania oferty i rezerwacji </a:t>
+              <a:t>System daje klientom możliwość przeglądania </a:t>
+            </a:r>
+            <a:r>
+              <a:rPr lang="pl-PL" dirty="0" smtClean="0"/>
+              <a:t>oferty, </a:t>
+            </a:r>
+            <a:r>
+              <a:rPr lang="pl-PL" dirty="0" smtClean="0"/>
+              <a:t>rezerwacji </a:t>
             </a:r>
             <a:r>
               <a:rPr lang="pl-PL" dirty="0" err="1" smtClean="0"/>
               <a:t>on-line</a:t>
             </a:r>
+            <a:r>
+              <a:rPr lang="pl-PL" dirty="0" smtClean="0"/>
+              <a:t> i sprawdzenia statusu odnotowania zaliczki na rezerwację</a:t>
+            </a:r>
             <a:endParaRPr lang="pl-PL" dirty="0" smtClean="0"/>
           </a:p>
           <a:p>
-            <a:r>
-              <a:rPr lang="pl-PL" dirty="0" smtClean="0"/>
-              <a:t>(SCREENY)</a:t>
-            </a:r>
             <a:endParaRPr lang="pl-PL" dirty="0"/>
           </a:p>
         </p:txBody>
       </p:sp>
+      <p:pic>
+        <p:nvPicPr>
+          <p:cNvPr id="4100" name="Picture 4"/>
+          <p:cNvPicPr>
+            <a:picLocks noChangeAspect="1" noChangeArrowheads="1"/>
+          </p:cNvPicPr>
+          <p:nvPr/>
+        </p:nvPicPr>
+        <p:blipFill>
+          <a:blip r:embed="rId2" cstate="print"/>
+          <a:srcRect/>
+          <a:stretch>
+            <a:fillRect/>
+          </a:stretch>
+        </p:blipFill>
+        <p:spPr bwMode="auto">
+          <a:xfrm>
+            <a:off x="2555776" y="3861048"/>
+            <a:ext cx="3781425" cy="1704975"/>
+          </a:xfrm>
+          <a:prstGeom prst="rect">
+            <a:avLst/>
+          </a:prstGeom>
+          <a:noFill/>
+          <a:ln w="9525">
+            <a:noFill/>
+            <a:miter lim="800000"/>
+            <a:headEnd/>
+            <a:tailEnd/>
+          </a:ln>
+        </p:spPr>
+      </p:pic>
     </p:spTree>
   </p:cSld>
   <p:clrMapOvr>
@@ -3609,11 +3655,7 @@
           <a:bodyPr/>
           <a:lstStyle/>
           <a:p>
-            <a:r>
-              <a:rPr lang="pl-PL" dirty="0" smtClean="0"/>
-              <a:t>Podsumowanie</a:t>
-            </a:r>
-            <a:endParaRPr lang="pl-PL" dirty="0"/>
+            <a:endParaRPr lang="pl-PL"/>
           </a:p>
         </p:txBody>
       </p:sp>
@@ -3632,38 +3674,42 @@
           <a:bodyPr/>
           <a:lstStyle/>
           <a:p>
-            <a:r>
-              <a:rPr lang="pl-PL" dirty="0" smtClean="0"/>
-              <a:t>Funkcjonalność systemu</a:t>
-            </a:r>
-          </a:p>
-          <a:p>
-            <a:r>
-              <a:rPr lang="pl-PL" dirty="0" smtClean="0"/>
-              <a:t>Ułatwienia w zarządzaniu pensjonatem</a:t>
-            </a:r>
-          </a:p>
-          <a:p>
-            <a:r>
-              <a:rPr lang="pl-PL" dirty="0" smtClean="0"/>
-              <a:t>Największe zalety</a:t>
-            </a:r>
-          </a:p>
-          <a:p>
-            <a:r>
-              <a:rPr lang="pl-PL" dirty="0" smtClean="0"/>
-              <a:t>Czy warto wdrożyć system PENSJONAT?</a:t>
-            </a:r>
-          </a:p>
-          <a:p>
-            <a:r>
-              <a:rPr lang="pl-PL" dirty="0" smtClean="0"/>
-              <a:t>Dlaczego warto wdrożyć system PENSJONAT?</a:t>
-            </a:r>
-            <a:endParaRPr lang="pl-PL" dirty="0"/>
-          </a:p>
-        </p:txBody>
-      </p:sp>
+            <a:endParaRPr lang="pl-PL"/>
+          </a:p>
+        </p:txBody>
+      </p:sp>
+      <p:pic>
+        <p:nvPicPr>
+          <p:cNvPr id="3074" name="Picture 2"/>
+          <p:cNvPicPr>
+            <a:picLocks noChangeAspect="1" noChangeArrowheads="1"/>
+          </p:cNvPicPr>
+          <p:nvPr/>
+        </p:nvPicPr>
+        <p:blipFill>
+          <a:blip r:embed="rId2" cstate="print"/>
+          <a:srcRect/>
+          <a:stretch>
+            <a:fillRect/>
+          </a:stretch>
+        </p:blipFill>
+        <p:spPr bwMode="auto">
+          <a:xfrm>
+            <a:off x="1979712" y="476672"/>
+            <a:ext cx="4963244" cy="6102764"/>
+          </a:xfrm>
+          <a:prstGeom prst="rect">
+            <a:avLst/>
+          </a:prstGeom>
+          <a:noFill/>
+          <a:ln w="9525">
+            <a:noFill/>
+            <a:miter lim="800000"/>
+            <a:headEnd/>
+            <a:tailEnd/>
+          </a:ln>
+        </p:spPr>
+      </p:pic>
     </p:spTree>
   </p:cSld>
   <p:clrMapOvr>
@@ -3706,6 +3752,101 @@
           <a:p>
             <a:r>
               <a:rPr lang="pl-PL" dirty="0" smtClean="0"/>
+              <a:t>Podsumowanie</a:t>
+            </a:r>
+            <a:endParaRPr lang="pl-PL" dirty="0"/>
+          </a:p>
+        </p:txBody>
+      </p:sp>
+      <p:sp>
+        <p:nvSpPr>
+          <p:cNvPr id="3" name="Symbol zastępczy zawartości 2"/>
+          <p:cNvSpPr>
+            <a:spLocks noGrp="1"/>
+          </p:cNvSpPr>
+          <p:nvPr>
+            <p:ph idx="1"/>
+          </p:nvPr>
+        </p:nvSpPr>
+        <p:spPr/>
+        <p:txBody>
+          <a:bodyPr/>
+          <a:lstStyle/>
+          <a:p>
+            <a:r>
+              <a:rPr lang="pl-PL" dirty="0" smtClean="0"/>
+              <a:t>Funkcjonalność systemu</a:t>
+            </a:r>
+          </a:p>
+          <a:p>
+            <a:r>
+              <a:rPr lang="pl-PL" dirty="0" smtClean="0"/>
+              <a:t>Ułatwienia w zarządzaniu pensjonatem</a:t>
+            </a:r>
+          </a:p>
+          <a:p>
+            <a:r>
+              <a:rPr lang="pl-PL" dirty="0" smtClean="0"/>
+              <a:t>Największe zalety</a:t>
+            </a:r>
+          </a:p>
+          <a:p>
+            <a:r>
+              <a:rPr lang="pl-PL" dirty="0" smtClean="0"/>
+              <a:t>Czy warto wdrożyć system PENSJONAT?</a:t>
+            </a:r>
+          </a:p>
+          <a:p>
+            <a:r>
+              <a:rPr lang="pl-PL" dirty="0" smtClean="0"/>
+              <a:t>Dlaczego warto wdrożyć system PENSJONAT?</a:t>
+            </a:r>
+            <a:endParaRPr lang="pl-PL" dirty="0"/>
+          </a:p>
+        </p:txBody>
+      </p:sp>
+    </p:spTree>
+  </p:cSld>
+  <p:clrMapOvr>
+    <a:masterClrMapping/>
+  </p:clrMapOvr>
+</p:sld>
+</file>
+
+<file path=ppt/slides/slide19.xml><?xml version="1.0" encoding="utf-8"?>
+<p:sld xmlns:a="http://schemas.openxmlformats.org/drawingml/2006/main" xmlns:r="http://schemas.openxmlformats.org/officeDocument/2006/relationships" xmlns:p="http://schemas.openxmlformats.org/presentationml/2006/main">
+  <p:cSld>
+    <p:spTree>
+      <p:nvGrpSpPr>
+        <p:cNvPr id="1" name=""/>
+        <p:cNvGrpSpPr/>
+        <p:nvPr/>
+      </p:nvGrpSpPr>
+      <p:grpSpPr>
+        <a:xfrm>
+          <a:off x="0" y="0"/>
+          <a:ext cx="0" cy="0"/>
+          <a:chOff x="0" y="0"/>
+          <a:chExt cx="0" cy="0"/>
+        </a:xfrm>
+      </p:grpSpPr>
+      <p:sp>
+        <p:nvSpPr>
+          <p:cNvPr id="2" name="Tytuł 1"/>
+          <p:cNvSpPr>
+            <a:spLocks noGrp="1"/>
+          </p:cNvSpPr>
+          <p:nvPr>
+            <p:ph type="title"/>
+          </p:nvPr>
+        </p:nvSpPr>
+        <p:spPr/>
+        <p:txBody>
+          <a:bodyPr/>
+          <a:lstStyle/>
+          <a:p>
+            <a:r>
+              <a:rPr lang="pl-PL" dirty="0" smtClean="0"/>
               <a:t>Pytania?</a:t>
             </a:r>
             <a:endParaRPr lang="pl-PL" dirty="0"/>
@@ -3927,7 +4068,7 @@
         <p:spPr/>
         <p:txBody>
           <a:bodyPr>
-            <a:normAutofit fontScale="85000" lnSpcReduction="20000"/>
+            <a:normAutofit fontScale="85000" lnSpcReduction="10000"/>
           </a:bodyPr>
           <a:lstStyle/>
           <a:p>
@@ -3984,21 +4125,11 @@
           <a:p>
             <a:r>
               <a:rPr lang="pl-PL" dirty="0" smtClean="0"/>
-              <a:t>Wysyłania </a:t>
-            </a:r>
-            <a:r>
-              <a:rPr lang="pl-PL" dirty="0" err="1" smtClean="0"/>
-              <a:t>newslettera</a:t>
-            </a:r>
-            <a:r>
-              <a:rPr lang="pl-PL" dirty="0" smtClean="0"/>
-              <a:t> do klientów</a:t>
-            </a:r>
-          </a:p>
-          <a:p>
-            <a:r>
-              <a:rPr lang="pl-PL" dirty="0" smtClean="0"/>
-              <a:t>Oraz wiele innych przydatnych funkcjonalności </a:t>
+              <a:t>Oraz </a:t>
+            </a:r>
+            <a:r>
+              <a:rPr lang="pl-PL" dirty="0" smtClean="0"/>
+              <a:t>wiele innych przydatnych funkcjonalności </a:t>
             </a:r>
             <a:r>
               <a:rPr lang="pl-PL" dirty="0" smtClean="0">
@@ -4215,29 +4346,61 @@
         </p:nvSpPr>
         <p:spPr/>
         <p:txBody>
-          <a:bodyPr/>
-          <a:lstStyle/>
-          <a:p>
-            <a:r>
-              <a:rPr lang="pl-PL" dirty="0" smtClean="0"/>
+          <a:bodyPr>
+            <a:normAutofit/>
+          </a:bodyPr>
+          <a:lstStyle/>
+          <a:p>
+            <a:r>
+              <a:rPr lang="pl-PL" sz="2400" dirty="0" smtClean="0"/>
               <a:t>System został podzielony na moduły zakładki dostępne dla użytkownika zgodnie z uprawnieniami jego konta.</a:t>
             </a:r>
           </a:p>
           <a:p>
             <a:r>
-              <a:rPr lang="pl-PL" dirty="0" smtClean="0"/>
-              <a:t>Pojawiają się one po udanym zalogowaniu</a:t>
-            </a:r>
-          </a:p>
-          <a:p>
-            <a:r>
-              <a:rPr lang="pl-PL" dirty="0" smtClean="0"/>
-              <a:t>(SCREEN ekranu logowania)</a:t>
-            </a:r>
-            <a:endParaRPr lang="pl-PL" dirty="0"/>
-          </a:p>
-        </p:txBody>
-      </p:sp>
+              <a:rPr lang="pl-PL" sz="2400" dirty="0" smtClean="0"/>
+              <a:t>Pojawiają się one po udanym </a:t>
+            </a:r>
+            <a:r>
+              <a:rPr lang="pl-PL" sz="2400" dirty="0" smtClean="0"/>
+              <a:t>zalogowaniu</a:t>
+            </a:r>
+            <a:endParaRPr lang="pl-PL" sz="2400" dirty="0" smtClean="0"/>
+          </a:p>
+        </p:txBody>
+      </p:sp>
+      <p:pic>
+        <p:nvPicPr>
+          <p:cNvPr id="1027" name="Picture 3"/>
+          <p:cNvPicPr>
+            <a:picLocks noChangeAspect="1" noChangeArrowheads="1"/>
+          </p:cNvPicPr>
+          <p:nvPr/>
+        </p:nvPicPr>
+        <p:blipFill>
+          <a:blip r:embed="rId2" cstate="print"/>
+          <a:srcRect/>
+          <a:stretch>
+            <a:fillRect/>
+          </a:stretch>
+        </p:blipFill>
+        <p:spPr bwMode="auto">
+          <a:xfrm>
+            <a:off x="2267744" y="3068960"/>
+            <a:ext cx="4583435" cy="3488356"/>
+          </a:xfrm>
+          <a:prstGeom prst="rect">
+            <a:avLst/>
+          </a:prstGeom>
+          <a:noFill/>
+          <a:ln w="9525">
+            <a:noFill/>
+            <a:miter lim="800000"/>
+            <a:headEnd/>
+            <a:tailEnd/>
+          </a:ln>
+        </p:spPr>
+      </p:pic>
     </p:spTree>
   </p:cSld>
   <p:clrMapOvr>
@@ -5498,7 +5661,7 @@
 </file>
 
 <file path=customXml/item1.xml><?xml version="1.0" encoding="utf-8"?>
-<p:properties xmlns:p="http://schemas.microsoft.com/office/2006/metadata/properties" xmlns:xsi="http://www.w3.org/2001/XMLSchema-instance" xmlns:pc="http://schemas.microsoft.com/office/infopath/2007/PartnerControls"/>
+<ct:contentTypeSchema xmlns:ct="http://schemas.microsoft.com/office/2006/metadata/contentType" xmlns:ma="http://schemas.microsoft.com/office/2006/metadata/properties/metaAttributes" ct:_="" ma:_="" ma:contentTypeName="TemplateFile" ma:contentTypeID="0x010100CFA5F52AA0A00C4CBEF2A37681B2318F04009FDCD24A096B5E4C8184D4910FEB1A76" ma:contentTypeVersion="29" ma:contentTypeDescription="Create a new document." ma:contentTypeScope="" ma:versionID="0c32a1e609da7aca8c8cb70e77704eef"/>
 </file>
 
 <file path=customXml/item2.xml><?xml version="1.0" encoding="utf-8"?>
@@ -5511,14 +5674,14 @@
 </file>
 
 <file path=customXml/item3.xml><?xml version="1.0" encoding="utf-8"?>
-<ct:contentTypeSchema xmlns:ct="http://schemas.microsoft.com/office/2006/metadata/contentType" xmlns:ma="http://schemas.microsoft.com/office/2006/metadata/properties/metaAttributes" ct:_="" ma:_="" ma:contentTypeName="TemplateFile" ma:contentTypeID="0x010100CFA5F52AA0A00C4CBEF2A37681B2318F04009FDCD24A096B5E4C8184D4910FEB1A76" ma:contentTypeVersion="29" ma:contentTypeDescription="Create a new document." ma:contentTypeScope="" ma:versionID="0c32a1e609da7aca8c8cb70e77704eef"/>
+<p:properties xmlns:p="http://schemas.microsoft.com/office/2006/metadata/properties" xmlns:xsi="http://www.w3.org/2001/XMLSchema-instance" xmlns:pc="http://schemas.microsoft.com/office/infopath/2007/PartnerControls"/>
 </file>
 
 <file path=customXml/itemProps1.xml><?xml version="1.0" encoding="utf-8"?>
-<ds:datastoreItem xmlns:ds="http://schemas.openxmlformats.org/officeDocument/2006/customXml" ds:itemID="{1BC61C9C-1353-410C-9510-3EAD2B34FCBA}">
+<ds:datastoreItem xmlns:ds="http://schemas.openxmlformats.org/officeDocument/2006/customXml" ds:itemID="{5128E5C6-253A-4341-BEE7-BE070F7B51FF}">
   <ds:schemaRefs>
-    <ds:schemaRef ds:uri="http://schemas.microsoft.com/office/2006/metadata/properties"/>
-    <ds:schemaRef ds:uri="http://schemas.microsoft.com/office/infopath/2007/PartnerControls"/>
+    <ds:schemaRef ds:uri="http://schemas.microsoft.com/office/2006/metadata/contentType"/>
+    <ds:schemaRef ds:uri="http://schemas.microsoft.com/office/2006/metadata/properties/metaAttributes"/>
   </ds:schemaRefs>
 </ds:datastoreItem>
 </file>
@@ -5532,10 +5695,10 @@
 </file>
 
 <file path=customXml/itemProps3.xml><?xml version="1.0" encoding="utf-8"?>
-<ds:datastoreItem xmlns:ds="http://schemas.openxmlformats.org/officeDocument/2006/customXml" ds:itemID="{5128E5C6-253A-4341-BEE7-BE070F7B51FF}">
+<ds:datastoreItem xmlns:ds="http://schemas.openxmlformats.org/officeDocument/2006/customXml" ds:itemID="{1BC61C9C-1353-410C-9510-3EAD2B34FCBA}">
   <ds:schemaRefs>
-    <ds:schemaRef ds:uri="http://schemas.microsoft.com/office/2006/metadata/contentType"/>
-    <ds:schemaRef ds:uri="http://schemas.microsoft.com/office/2006/metadata/properties/metaAttributes"/>
+    <ds:schemaRef ds:uri="http://schemas.microsoft.com/office/2006/metadata/properties"/>
+    <ds:schemaRef ds:uri="http://schemas.microsoft.com/office/infopath/2007/PartnerControls"/>
   </ds:schemaRefs>
 </ds:datastoreItem>
 </file>